--- a/Slides/Lesson 5 Activities.pptx
+++ b/Slides/Lesson 5 Activities.pptx
@@ -645,13 +645,33 @@
               <a:rPr lang="en-US" sz="1200" dirty="0"/>
               <a:t>Instructor should say Hi to all groups (either by walking around and talking to each group or by making announcement in class)</a:t>
             </a:r>
-          </a:p>
-          <a:p>
-            <a:pPr marL="628650" lvl="1" indent="-171450">
-              <a:buFont typeface="Arial" panose="020B0604020202020204" pitchFamily="34" charset="0"/>
-              <a:buChar char="•"/>
-            </a:pPr>
-            <a:endParaRPr lang="en-US" dirty="0"/>
+            <a:br>
+              <a:rPr lang="en-US" sz="1200" dirty="0"/>
+            </a:br>
+            <a:r>
+              <a:rPr lang="en-US" sz="1200" dirty="0"/>
+              <a:t>&lt;</a:t>
+            </a:r>
+            <a:r>
+              <a:rPr lang="en-US" sz="1200"/>
+              <a:t>Anticipate 10-15 </a:t>
+            </a:r>
+            <a:r>
+              <a:rPr lang="en-US" sz="1200" dirty="0"/>
+              <a:t>minutes for students to move around, get organized and exchange contact info&gt;</a:t>
+            </a:r>
+            <a:br>
+              <a:rPr lang="en-US" sz="1200" dirty="0"/>
+            </a:br>
+            <a:r>
+              <a:rPr lang="en-US" sz="1200" dirty="0"/>
+              <a:t>&lt;30-45 minutes for TA/Instructor to meet with </a:t>
+            </a:r>
+            <a:r>
+              <a:rPr lang="en-US" sz="1200"/>
+              <a:t>each team&gt;</a:t>
+            </a:r>
+            <a:endParaRPr lang="en-US" sz="1200" dirty="0"/>
           </a:p>
         </p:txBody>
       </p:sp>
@@ -5466,7 +5486,15 @@
             <a:pPr lvl="1"/>
             <a:r>
               <a:rPr lang="en-US" dirty="0"/>
-              <a:t>Do a quick walk around the code and see if you can find any Mocks and Spies being used.</a:t>
+              <a:t>Do a quick </a:t>
+            </a:r>
+            <a:r>
+              <a:rPr lang="en-US"/>
+              <a:t>walk through </a:t>
+            </a:r>
+            <a:r>
+              <a:rPr lang="en-US" dirty="0"/>
+              <a:t>the code and see if you can find any Mocks and Spies being used.</a:t>
             </a:r>
           </a:p>
           <a:p>

--- a/Slides/Lesson 5 Activities.pptx
+++ b/Slides/Lesson 5 Activities.pptx
@@ -226,7 +226,7 @@
           <a:p>
             <a:fld id="{7C7E5181-6CF5-45F7-A87A-E0E0B1FD7549}" type="datetimeFigureOut">
               <a:rPr lang="en-US" smtClean="0"/>
-              <a:t>2/14/2022</a:t>
+              <a:t>2/16/2022</a:t>
             </a:fld>
             <a:endParaRPr lang="en-US"/>
           </a:p>
@@ -964,7 +964,7 @@
           <a:p>
             <a:fld id="{5D2A64DE-480B-420F-9649-4F8E696E08E0}" type="datetime1">
               <a:rPr lang="en-US" smtClean="0"/>
-              <a:t>2/14/2022</a:t>
+              <a:t>2/16/2022</a:t>
             </a:fld>
             <a:endParaRPr lang="en-US"/>
           </a:p>
@@ -1288,7 +1288,7 @@
           <a:p>
             <a:fld id="{EA476A42-A091-4468-A075-64A31BE59948}" type="datetime1">
               <a:rPr lang="en-US" smtClean="0"/>
-              <a:t>2/14/2022</a:t>
+              <a:t>2/16/2022</a:t>
             </a:fld>
             <a:endParaRPr lang="en-US"/>
           </a:p>
@@ -1486,7 +1486,7 @@
           <a:p>
             <a:fld id="{0D3616D0-8311-4107-9726-6B805E7D05BA}" type="datetime1">
               <a:rPr lang="en-US" smtClean="0"/>
-              <a:t>2/14/2022</a:t>
+              <a:t>2/16/2022</a:t>
             </a:fld>
             <a:endParaRPr lang="en-US"/>
           </a:p>
@@ -1694,7 +1694,7 @@
           <a:p>
             <a:fld id="{3BC2557A-5C88-417A-A763-5AC779462A5F}" type="datetime1">
               <a:rPr lang="en-US" smtClean="0"/>
-              <a:t>2/14/2022</a:t>
+              <a:t>2/16/2022</a:t>
             </a:fld>
             <a:endParaRPr lang="en-US"/>
           </a:p>
@@ -2218,7 +2218,7 @@
           <a:p>
             <a:fld id="{07C7BFD4-467E-4EDE-93EA-052F5B39A4E5}" type="datetime1">
               <a:rPr lang="en-US" smtClean="0"/>
-              <a:t>2/14/2022</a:t>
+              <a:t>2/16/2022</a:t>
             </a:fld>
             <a:endParaRPr lang="en-US"/>
           </a:p>
@@ -2468,7 +2468,7 @@
           <a:p>
             <a:fld id="{07C7BFD4-467E-4EDE-93EA-052F5B39A4E5}" type="datetime1">
               <a:rPr lang="en-US" smtClean="0"/>
-              <a:t>2/14/2022</a:t>
+              <a:t>2/16/2022</a:t>
             </a:fld>
             <a:endParaRPr lang="en-US"/>
           </a:p>
@@ -2650,7 +2650,7 @@
           <a:p>
             <a:fld id="{109E55A0-C911-4F03-82FC-7E5926047D46}" type="datetime1">
               <a:rPr lang="en-US" smtClean="0"/>
-              <a:t>2/14/2022</a:t>
+              <a:t>2/16/2022</a:t>
             </a:fld>
             <a:endParaRPr lang="en-US"/>
           </a:p>
@@ -2963,7 +2963,7 @@
           <a:p>
             <a:fld id="{A533CBE2-D5BE-47AC-ADC2-9CDFC1D0CF90}" type="datetime1">
               <a:rPr lang="en-US" smtClean="0"/>
-              <a:t>2/14/2022</a:t>
+              <a:t>2/16/2022</a:t>
             </a:fld>
             <a:endParaRPr lang="en-US"/>
           </a:p>
@@ -3264,7 +3264,7 @@
           <a:p>
             <a:fld id="{39B7EDB1-CE74-4951-85A2-0B01C2128E28}" type="datetime1">
               <a:rPr lang="en-US" smtClean="0"/>
-              <a:t>2/14/2022</a:t>
+              <a:t>2/16/2022</a:t>
             </a:fld>
             <a:endParaRPr lang="en-US"/>
           </a:p>
@@ -3712,7 +3712,7 @@
           <a:p>
             <a:fld id="{2BC7EB92-A5C2-4807-A9DC-9EDE6CBFB241}" type="datetime1">
               <a:rPr lang="en-US" smtClean="0"/>
-              <a:t>2/14/2022</a:t>
+              <a:t>2/16/2022</a:t>
             </a:fld>
             <a:endParaRPr lang="en-US"/>
           </a:p>
@@ -3825,7 +3825,7 @@
           <a:p>
             <a:fld id="{2B7B7EE0-7771-4CD5-9B2B-3550753A54A1}" type="datetime1">
               <a:rPr lang="en-US" smtClean="0"/>
-              <a:t>2/14/2022</a:t>
+              <a:t>2/16/2022</a:t>
             </a:fld>
             <a:endParaRPr lang="en-US"/>
           </a:p>
@@ -4136,7 +4136,7 @@
           <a:p>
             <a:fld id="{F8B318B3-0E87-4416-A9B8-D891968C2727}" type="datetime1">
               <a:rPr lang="en-US" smtClean="0"/>
-              <a:t>2/14/2022</a:t>
+              <a:t>2/16/2022</a:t>
             </a:fld>
             <a:endParaRPr lang="en-US"/>
           </a:p>
@@ -4377,7 +4377,7 @@
           <a:p>
             <a:fld id="{54D997E8-DDEE-43F1-8D9B-F8A1E11DE488}" type="datetime1">
               <a:rPr lang="en-US" smtClean="0"/>
-              <a:t>2/14/2022</a:t>
+              <a:t>2/16/2022</a:t>
             </a:fld>
             <a:endParaRPr lang="en-US"/>
           </a:p>
@@ -5222,25 +5222,31 @@
               <a:rPr lang="en-US" sz="2000" dirty="0"/>
               <a:t>Let the class divide themselves in groups (move around the room or join Break rooms) to get to know each other</a:t>
             </a:r>
+            <a:endParaRPr lang="en-US" sz="1600" dirty="0"/>
+          </a:p>
+          <a:p>
+            <a:pPr lvl="1"/>
+            <a:r>
+              <a:rPr lang="en-US" sz="1600" dirty="0"/>
+              <a:t>Give them a few minutes to exchange contact information, share schedules, etc.</a:t>
+            </a:r>
+          </a:p>
+          <a:p>
+            <a:pPr lvl="1"/>
+            <a:r>
+              <a:rPr lang="en-US" sz="1600" dirty="0"/>
+              <a:t>Reach out to those not in attendance</a:t>
+            </a:r>
           </a:p>
           <a:p>
             <a:r>
               <a:rPr lang="en-US" sz="2000" dirty="0"/>
-              <a:t>Give them a few minutes to exchange contact information</a:t>
-            </a:r>
-          </a:p>
-          <a:p>
-            <a:r>
-              <a:rPr lang="en-US" sz="2000" dirty="0"/>
-              <a:t>Mentors should say a Quick Hi</a:t>
-            </a:r>
-          </a:p>
-          <a:p>
-            <a:pPr lvl="1"/>
-            <a:endParaRPr lang="en-US" sz="2000" dirty="0"/>
-          </a:p>
-          <a:p>
-            <a:pPr lvl="1"/>
+              <a:t>Mentors should say a quick Hi and exchange </a:t>
+            </a:r>
+            <a:r>
+              <a:rPr lang="en-US" sz="2000"/>
+              <a:t>contact information</a:t>
+            </a:r>
             <a:endParaRPr lang="en-US" sz="2000" dirty="0"/>
           </a:p>
         </p:txBody>
@@ -5454,7 +5460,7 @@
         <p:spPr>
           <a:xfrm>
             <a:off x="643468" y="1782981"/>
-            <a:ext cx="4506047" cy="4836096"/>
+            <a:ext cx="4506047" cy="4361892"/>
           </a:xfrm>
         </p:spPr>
         <p:txBody>
@@ -5464,9 +5470,24 @@
           <a:lstStyle/>
           <a:p>
             <a:r>
+              <a:rPr lang="en-US" sz="2400" dirty="0"/>
+              <a:t>Review </a:t>
+            </a:r>
+            <a:r>
               <a:rPr lang="en-US" sz="2400" dirty="0">
                 <a:hlinkClick r:id="rId3"/>
               </a:rPr>
+              <a:t>Testing Tutorial</a:t>
+            </a:r>
+            <a:endParaRPr lang="en-US" sz="2400" dirty="0">
+              <a:hlinkClick r:id="rId4"/>
+            </a:endParaRPr>
+          </a:p>
+          <a:p>
+            <a:r>
+              <a:rPr lang="en-US" sz="2400" dirty="0">
+                <a:hlinkClick r:id="rId4"/>
+              </a:rPr>
               <a:t>HW2</a:t>
             </a:r>
             <a:r>
@@ -5486,15 +5507,7 @@
             <a:pPr lvl="1"/>
             <a:r>
               <a:rPr lang="en-US" dirty="0"/>
-              <a:t>Do a quick </a:t>
-            </a:r>
-            <a:r>
-              <a:rPr lang="en-US"/>
-              <a:t>walk through </a:t>
-            </a:r>
-            <a:r>
-              <a:rPr lang="en-US" dirty="0"/>
-              <a:t>the code and see if you can find any Mocks and Spies being used.</a:t>
+              <a:t>Do a quick walk through the code and see if you can find any Mocks and Spies being used.</a:t>
             </a:r>
           </a:p>
           <a:p>
@@ -5682,7 +5695,7 @@
           <p:nvPr/>
         </p:nvPicPr>
         <p:blipFill>
-          <a:blip r:embed="rId4">
+          <a:blip r:embed="rId5">
             <a:extLst>
               <a:ext uri="{28A0092B-C50C-407E-A947-70E740481C1C}">
                 <a14:useLocalDpi xmlns:a14="http://schemas.microsoft.com/office/drawing/2010/main" val="0"/>
